--- a/ppt 16-9/1556.心祷.pptx
+++ b/ppt 16-9/1556.心祷.pptx
@@ -129,7 +129,7 @@
           <p:cNvPr id="2" name="标题 1">
             <a:extLst>
               <a:ext uri="{FF2B5EF4-FFF2-40B4-BE49-F238E27FC236}">
-                <a16:creationId xmlns:a16="http://schemas.microsoft.com/office/drawing/2014/main" id="{A2B0F9DA-B263-7A2A-EB36-482E5C9589EC}"/>
+                <a16:creationId xmlns:a16="http://schemas.microsoft.com/office/drawing/2014/main" id="{91D81E8A-15EE-1298-710D-D1B2A311A6B0}"/>
               </a:ext>
             </a:extLst>
           </p:cNvPr>
@@ -166,7 +166,7 @@
           <p:cNvPr id="3" name="副标题 2">
             <a:extLst>
               <a:ext uri="{FF2B5EF4-FFF2-40B4-BE49-F238E27FC236}">
-                <a16:creationId xmlns:a16="http://schemas.microsoft.com/office/drawing/2014/main" id="{AEA5E889-D0A1-4B8E-9701-6EFB48B3D555}"/>
+                <a16:creationId xmlns:a16="http://schemas.microsoft.com/office/drawing/2014/main" id="{A5B2CB00-FF67-D5CA-995A-378A2E593650}"/>
               </a:ext>
             </a:extLst>
           </p:cNvPr>
@@ -236,7 +236,7 @@
           <p:cNvPr id="4" name="日期占位符 3">
             <a:extLst>
               <a:ext uri="{FF2B5EF4-FFF2-40B4-BE49-F238E27FC236}">
-                <a16:creationId xmlns:a16="http://schemas.microsoft.com/office/drawing/2014/main" id="{1DA488B9-CC27-D3A1-D915-87D010D3FD61}"/>
+                <a16:creationId xmlns:a16="http://schemas.microsoft.com/office/drawing/2014/main" id="{604923C4-7282-99A7-10EB-261D111BE673}"/>
               </a:ext>
             </a:extLst>
           </p:cNvPr>
@@ -252,7 +252,7 @@
           <a:bodyPr/>
           <a:lstStyle/>
           <a:p>
-            <a:fld id="{9B928669-5539-413D-9495-133363849EFE}" type="datetimeFigureOut">
+            <a:fld id="{3C0697A8-C823-4C8E-8A85-49B65F2A58C7}" type="datetimeFigureOut">
               <a:rPr lang="zh-CN" altLang="en-US" smtClean="0"/>
               <a:t>2024/3/10</a:t>
             </a:fld>
@@ -265,7 +265,7 @@
           <p:cNvPr id="5" name="页脚占位符 4">
             <a:extLst>
               <a:ext uri="{FF2B5EF4-FFF2-40B4-BE49-F238E27FC236}">
-                <a16:creationId xmlns:a16="http://schemas.microsoft.com/office/drawing/2014/main" id="{FBEE6E6B-8635-B8F0-6D37-40487DC750DB}"/>
+                <a16:creationId xmlns:a16="http://schemas.microsoft.com/office/drawing/2014/main" id="{3722B338-C848-888B-A209-C277081C439F}"/>
               </a:ext>
             </a:extLst>
           </p:cNvPr>
@@ -290,7 +290,7 @@
           <p:cNvPr id="6" name="灯片编号占位符 5">
             <a:extLst>
               <a:ext uri="{FF2B5EF4-FFF2-40B4-BE49-F238E27FC236}">
-                <a16:creationId xmlns:a16="http://schemas.microsoft.com/office/drawing/2014/main" id="{2A7D49D5-6C47-7F25-76C2-2F55DD4F5BBE}"/>
+                <a16:creationId xmlns:a16="http://schemas.microsoft.com/office/drawing/2014/main" id="{E48F2D99-3C30-37EC-7B06-6792F31A6D68}"/>
               </a:ext>
             </a:extLst>
           </p:cNvPr>
@@ -306,7 +306,7 @@
           <a:bodyPr/>
           <a:lstStyle/>
           <a:p>
-            <a:fld id="{AC7B4504-2D66-47E5-A2AB-EFC91FF23D43}" type="slidenum">
+            <a:fld id="{7980CC6B-8BB1-49E3-A875-7419BD13F2C2}" type="slidenum">
               <a:rPr lang="zh-CN" altLang="en-US" smtClean="0"/>
               <a:t>‹#›</a:t>
             </a:fld>
@@ -317,7 +317,7 @@
     </p:spTree>
     <p:extLst>
       <p:ext uri="{BB962C8B-B14F-4D97-AF65-F5344CB8AC3E}">
-        <p14:creationId xmlns:p14="http://schemas.microsoft.com/office/powerpoint/2010/main" val="1402577467"/>
+        <p14:creationId xmlns:p14="http://schemas.microsoft.com/office/powerpoint/2010/main" val="69638013"/>
       </p:ext>
     </p:extLst>
   </p:cSld>
@@ -349,7 +349,7 @@
           <p:cNvPr id="2" name="标题 1">
             <a:extLst>
               <a:ext uri="{FF2B5EF4-FFF2-40B4-BE49-F238E27FC236}">
-                <a16:creationId xmlns:a16="http://schemas.microsoft.com/office/drawing/2014/main" id="{90E71FD2-5380-98E9-B290-2B35E1120579}"/>
+                <a16:creationId xmlns:a16="http://schemas.microsoft.com/office/drawing/2014/main" id="{2413EB51-E643-6C67-FFA1-C8721645F761}"/>
               </a:ext>
             </a:extLst>
           </p:cNvPr>
@@ -377,7 +377,7 @@
           <p:cNvPr id="3" name="竖排文字占位符 2">
             <a:extLst>
               <a:ext uri="{FF2B5EF4-FFF2-40B4-BE49-F238E27FC236}">
-                <a16:creationId xmlns:a16="http://schemas.microsoft.com/office/drawing/2014/main" id="{C8A096B5-0E16-DB0B-2D5A-7B0A362A06FC}"/>
+                <a16:creationId xmlns:a16="http://schemas.microsoft.com/office/drawing/2014/main" id="{5F8E92C7-A1E0-6924-DA5A-460487765381}"/>
               </a:ext>
             </a:extLst>
           </p:cNvPr>
@@ -434,7 +434,7 @@
           <p:cNvPr id="4" name="日期占位符 3">
             <a:extLst>
               <a:ext uri="{FF2B5EF4-FFF2-40B4-BE49-F238E27FC236}">
-                <a16:creationId xmlns:a16="http://schemas.microsoft.com/office/drawing/2014/main" id="{D19C655A-BF07-D5EE-B430-81F7095D8DA3}"/>
+                <a16:creationId xmlns:a16="http://schemas.microsoft.com/office/drawing/2014/main" id="{81652FEB-EABB-B910-FDD9-7299772A8C41}"/>
               </a:ext>
             </a:extLst>
           </p:cNvPr>
@@ -450,7 +450,7 @@
           <a:bodyPr/>
           <a:lstStyle/>
           <a:p>
-            <a:fld id="{9B928669-5539-413D-9495-133363849EFE}" type="datetimeFigureOut">
+            <a:fld id="{3C0697A8-C823-4C8E-8A85-49B65F2A58C7}" type="datetimeFigureOut">
               <a:rPr lang="zh-CN" altLang="en-US" smtClean="0"/>
               <a:t>2024/3/10</a:t>
             </a:fld>
@@ -463,7 +463,7 @@
           <p:cNvPr id="5" name="页脚占位符 4">
             <a:extLst>
               <a:ext uri="{FF2B5EF4-FFF2-40B4-BE49-F238E27FC236}">
-                <a16:creationId xmlns:a16="http://schemas.microsoft.com/office/drawing/2014/main" id="{9CA86615-1B17-B93B-7DD8-F7484C716477}"/>
+                <a16:creationId xmlns:a16="http://schemas.microsoft.com/office/drawing/2014/main" id="{283943C7-5E14-C0D6-A24B-3D851C91483A}"/>
               </a:ext>
             </a:extLst>
           </p:cNvPr>
@@ -488,7 +488,7 @@
           <p:cNvPr id="6" name="灯片编号占位符 5">
             <a:extLst>
               <a:ext uri="{FF2B5EF4-FFF2-40B4-BE49-F238E27FC236}">
-                <a16:creationId xmlns:a16="http://schemas.microsoft.com/office/drawing/2014/main" id="{123F41BE-8DE3-4F0F-B38A-DDE20D3EF97C}"/>
+                <a16:creationId xmlns:a16="http://schemas.microsoft.com/office/drawing/2014/main" id="{07930492-7A5F-D1B6-3E46-B6C641D6726F}"/>
               </a:ext>
             </a:extLst>
           </p:cNvPr>
@@ -504,7 +504,7 @@
           <a:bodyPr/>
           <a:lstStyle/>
           <a:p>
-            <a:fld id="{AC7B4504-2D66-47E5-A2AB-EFC91FF23D43}" type="slidenum">
+            <a:fld id="{7980CC6B-8BB1-49E3-A875-7419BD13F2C2}" type="slidenum">
               <a:rPr lang="zh-CN" altLang="en-US" smtClean="0"/>
               <a:t>‹#›</a:t>
             </a:fld>
@@ -515,7 +515,7 @@
     </p:spTree>
     <p:extLst>
       <p:ext uri="{BB962C8B-B14F-4D97-AF65-F5344CB8AC3E}">
-        <p14:creationId xmlns:p14="http://schemas.microsoft.com/office/powerpoint/2010/main" val="1459385046"/>
+        <p14:creationId xmlns:p14="http://schemas.microsoft.com/office/powerpoint/2010/main" val="2067072388"/>
       </p:ext>
     </p:extLst>
   </p:cSld>
@@ -547,7 +547,7 @@
           <p:cNvPr id="2" name="竖排标题 1">
             <a:extLst>
               <a:ext uri="{FF2B5EF4-FFF2-40B4-BE49-F238E27FC236}">
-                <a16:creationId xmlns:a16="http://schemas.microsoft.com/office/drawing/2014/main" id="{6A3FE643-345A-5CC9-0E78-3C40DC1161A8}"/>
+                <a16:creationId xmlns:a16="http://schemas.microsoft.com/office/drawing/2014/main" id="{5359356D-20B7-4C39-76EA-1D6F2699E401}"/>
               </a:ext>
             </a:extLst>
           </p:cNvPr>
@@ -580,7 +580,7 @@
           <p:cNvPr id="3" name="竖排文字占位符 2">
             <a:extLst>
               <a:ext uri="{FF2B5EF4-FFF2-40B4-BE49-F238E27FC236}">
-                <a16:creationId xmlns:a16="http://schemas.microsoft.com/office/drawing/2014/main" id="{493E1489-8B43-14BA-7D91-EE6848B12F50}"/>
+                <a16:creationId xmlns:a16="http://schemas.microsoft.com/office/drawing/2014/main" id="{E66DE25D-735A-1610-DEF4-F20B18FF83A5}"/>
               </a:ext>
             </a:extLst>
           </p:cNvPr>
@@ -642,7 +642,7 @@
           <p:cNvPr id="4" name="日期占位符 3">
             <a:extLst>
               <a:ext uri="{FF2B5EF4-FFF2-40B4-BE49-F238E27FC236}">
-                <a16:creationId xmlns:a16="http://schemas.microsoft.com/office/drawing/2014/main" id="{AEC493B8-2156-A527-B296-97E015411956}"/>
+                <a16:creationId xmlns:a16="http://schemas.microsoft.com/office/drawing/2014/main" id="{490A808A-E661-C57D-465A-ED2C7E32C9BC}"/>
               </a:ext>
             </a:extLst>
           </p:cNvPr>
@@ -658,7 +658,7 @@
           <a:bodyPr/>
           <a:lstStyle/>
           <a:p>
-            <a:fld id="{9B928669-5539-413D-9495-133363849EFE}" type="datetimeFigureOut">
+            <a:fld id="{3C0697A8-C823-4C8E-8A85-49B65F2A58C7}" type="datetimeFigureOut">
               <a:rPr lang="zh-CN" altLang="en-US" smtClean="0"/>
               <a:t>2024/3/10</a:t>
             </a:fld>
@@ -671,7 +671,7 @@
           <p:cNvPr id="5" name="页脚占位符 4">
             <a:extLst>
               <a:ext uri="{FF2B5EF4-FFF2-40B4-BE49-F238E27FC236}">
-                <a16:creationId xmlns:a16="http://schemas.microsoft.com/office/drawing/2014/main" id="{57D50961-3CAA-F5FA-E015-CF7C88EC9E94}"/>
+                <a16:creationId xmlns:a16="http://schemas.microsoft.com/office/drawing/2014/main" id="{5558A5F2-F647-E4C6-5013-38F88A96E55B}"/>
               </a:ext>
             </a:extLst>
           </p:cNvPr>
@@ -696,7 +696,7 @@
           <p:cNvPr id="6" name="灯片编号占位符 5">
             <a:extLst>
               <a:ext uri="{FF2B5EF4-FFF2-40B4-BE49-F238E27FC236}">
-                <a16:creationId xmlns:a16="http://schemas.microsoft.com/office/drawing/2014/main" id="{9FBCC8E1-E238-2604-0036-BF4533EE1FA3}"/>
+                <a16:creationId xmlns:a16="http://schemas.microsoft.com/office/drawing/2014/main" id="{7EBDAD6B-AE0D-3FC5-AA91-8F9D8B99D5AC}"/>
               </a:ext>
             </a:extLst>
           </p:cNvPr>
@@ -712,7 +712,7 @@
           <a:bodyPr/>
           <a:lstStyle/>
           <a:p>
-            <a:fld id="{AC7B4504-2D66-47E5-A2AB-EFC91FF23D43}" type="slidenum">
+            <a:fld id="{7980CC6B-8BB1-49E3-A875-7419BD13F2C2}" type="slidenum">
               <a:rPr lang="zh-CN" altLang="en-US" smtClean="0"/>
               <a:t>‹#›</a:t>
             </a:fld>
@@ -723,7 +723,7 @@
     </p:spTree>
     <p:extLst>
       <p:ext uri="{BB962C8B-B14F-4D97-AF65-F5344CB8AC3E}">
-        <p14:creationId xmlns:p14="http://schemas.microsoft.com/office/powerpoint/2010/main" val="3153787379"/>
+        <p14:creationId xmlns:p14="http://schemas.microsoft.com/office/powerpoint/2010/main" val="1822093381"/>
       </p:ext>
     </p:extLst>
   </p:cSld>
@@ -755,7 +755,7 @@
           <p:cNvPr id="2" name="标题 1">
             <a:extLst>
               <a:ext uri="{FF2B5EF4-FFF2-40B4-BE49-F238E27FC236}">
-                <a16:creationId xmlns:a16="http://schemas.microsoft.com/office/drawing/2014/main" id="{BA947ACB-5875-0270-B816-E371F86547C9}"/>
+                <a16:creationId xmlns:a16="http://schemas.microsoft.com/office/drawing/2014/main" id="{2BDE5F3A-A852-9453-21D5-4B1F24B7E7AE}"/>
               </a:ext>
             </a:extLst>
           </p:cNvPr>
@@ -783,7 +783,7 @@
           <p:cNvPr id="3" name="内容占位符 2">
             <a:extLst>
               <a:ext uri="{FF2B5EF4-FFF2-40B4-BE49-F238E27FC236}">
-                <a16:creationId xmlns:a16="http://schemas.microsoft.com/office/drawing/2014/main" id="{2B6D4F3F-5B77-354B-0828-A0E15918A4F2}"/>
+                <a16:creationId xmlns:a16="http://schemas.microsoft.com/office/drawing/2014/main" id="{44D6D24F-E766-99E1-B25F-C302311F57C9}"/>
               </a:ext>
             </a:extLst>
           </p:cNvPr>
@@ -840,7 +840,7 @@
           <p:cNvPr id="4" name="日期占位符 3">
             <a:extLst>
               <a:ext uri="{FF2B5EF4-FFF2-40B4-BE49-F238E27FC236}">
-                <a16:creationId xmlns:a16="http://schemas.microsoft.com/office/drawing/2014/main" id="{6A57E58F-952E-6769-12D5-6D302034F38A}"/>
+                <a16:creationId xmlns:a16="http://schemas.microsoft.com/office/drawing/2014/main" id="{AC6D5280-12F0-1F2D-4276-4A8D9D6950CA}"/>
               </a:ext>
             </a:extLst>
           </p:cNvPr>
@@ -856,7 +856,7 @@
           <a:bodyPr/>
           <a:lstStyle/>
           <a:p>
-            <a:fld id="{9B928669-5539-413D-9495-133363849EFE}" type="datetimeFigureOut">
+            <a:fld id="{3C0697A8-C823-4C8E-8A85-49B65F2A58C7}" type="datetimeFigureOut">
               <a:rPr lang="zh-CN" altLang="en-US" smtClean="0"/>
               <a:t>2024/3/10</a:t>
             </a:fld>
@@ -869,7 +869,7 @@
           <p:cNvPr id="5" name="页脚占位符 4">
             <a:extLst>
               <a:ext uri="{FF2B5EF4-FFF2-40B4-BE49-F238E27FC236}">
-                <a16:creationId xmlns:a16="http://schemas.microsoft.com/office/drawing/2014/main" id="{270C627F-2F69-F6F9-4E09-25064DCFB9E6}"/>
+                <a16:creationId xmlns:a16="http://schemas.microsoft.com/office/drawing/2014/main" id="{8BFE6903-90DC-E018-59C0-BB158549B220}"/>
               </a:ext>
             </a:extLst>
           </p:cNvPr>
@@ -894,7 +894,7 @@
           <p:cNvPr id="6" name="灯片编号占位符 5">
             <a:extLst>
               <a:ext uri="{FF2B5EF4-FFF2-40B4-BE49-F238E27FC236}">
-                <a16:creationId xmlns:a16="http://schemas.microsoft.com/office/drawing/2014/main" id="{B7B891FE-4CB7-522C-9AAC-837093E5D756}"/>
+                <a16:creationId xmlns:a16="http://schemas.microsoft.com/office/drawing/2014/main" id="{01F09659-F9E6-B52D-7C7E-385E57E6FF64}"/>
               </a:ext>
             </a:extLst>
           </p:cNvPr>
@@ -910,7 +910,7 @@
           <a:bodyPr/>
           <a:lstStyle/>
           <a:p>
-            <a:fld id="{AC7B4504-2D66-47E5-A2AB-EFC91FF23D43}" type="slidenum">
+            <a:fld id="{7980CC6B-8BB1-49E3-A875-7419BD13F2C2}" type="slidenum">
               <a:rPr lang="zh-CN" altLang="en-US" smtClean="0"/>
               <a:t>‹#›</a:t>
             </a:fld>
@@ -921,7 +921,7 @@
     </p:spTree>
     <p:extLst>
       <p:ext uri="{BB962C8B-B14F-4D97-AF65-F5344CB8AC3E}">
-        <p14:creationId xmlns:p14="http://schemas.microsoft.com/office/powerpoint/2010/main" val="3732334912"/>
+        <p14:creationId xmlns:p14="http://schemas.microsoft.com/office/powerpoint/2010/main" val="817099824"/>
       </p:ext>
     </p:extLst>
   </p:cSld>
@@ -953,7 +953,7 @@
           <p:cNvPr id="2" name="标题 1">
             <a:extLst>
               <a:ext uri="{FF2B5EF4-FFF2-40B4-BE49-F238E27FC236}">
-                <a16:creationId xmlns:a16="http://schemas.microsoft.com/office/drawing/2014/main" id="{853E5F23-2AC3-DAC8-07D5-650E85B27E38}"/>
+                <a16:creationId xmlns:a16="http://schemas.microsoft.com/office/drawing/2014/main" id="{D8BFEBA0-55EA-73CE-6550-7982C6AA64B2}"/>
               </a:ext>
             </a:extLst>
           </p:cNvPr>
@@ -990,7 +990,7 @@
           <p:cNvPr id="3" name="文本占位符 2">
             <a:extLst>
               <a:ext uri="{FF2B5EF4-FFF2-40B4-BE49-F238E27FC236}">
-                <a16:creationId xmlns:a16="http://schemas.microsoft.com/office/drawing/2014/main" id="{48A73329-899E-5AD9-D33C-CF97990E60AE}"/>
+                <a16:creationId xmlns:a16="http://schemas.microsoft.com/office/drawing/2014/main" id="{F8AA377E-EB69-46D5-C277-961B18BBBA9F}"/>
               </a:ext>
             </a:extLst>
           </p:cNvPr>
@@ -1115,7 +1115,7 @@
           <p:cNvPr id="4" name="日期占位符 3">
             <a:extLst>
               <a:ext uri="{FF2B5EF4-FFF2-40B4-BE49-F238E27FC236}">
-                <a16:creationId xmlns:a16="http://schemas.microsoft.com/office/drawing/2014/main" id="{52A77A25-B0CA-DDD0-EF56-2D3CBF417526}"/>
+                <a16:creationId xmlns:a16="http://schemas.microsoft.com/office/drawing/2014/main" id="{564CC5F3-40EB-0CE4-B199-EA6C14130C08}"/>
               </a:ext>
             </a:extLst>
           </p:cNvPr>
@@ -1131,7 +1131,7 @@
           <a:bodyPr/>
           <a:lstStyle/>
           <a:p>
-            <a:fld id="{9B928669-5539-413D-9495-133363849EFE}" type="datetimeFigureOut">
+            <a:fld id="{3C0697A8-C823-4C8E-8A85-49B65F2A58C7}" type="datetimeFigureOut">
               <a:rPr lang="zh-CN" altLang="en-US" smtClean="0"/>
               <a:t>2024/3/10</a:t>
             </a:fld>
@@ -1144,7 +1144,7 @@
           <p:cNvPr id="5" name="页脚占位符 4">
             <a:extLst>
               <a:ext uri="{FF2B5EF4-FFF2-40B4-BE49-F238E27FC236}">
-                <a16:creationId xmlns:a16="http://schemas.microsoft.com/office/drawing/2014/main" id="{CF181A81-EF67-9A84-4679-71A04547EB24}"/>
+                <a16:creationId xmlns:a16="http://schemas.microsoft.com/office/drawing/2014/main" id="{0DDF7310-7AE0-0D9A-6062-DF1D63788A07}"/>
               </a:ext>
             </a:extLst>
           </p:cNvPr>
@@ -1169,7 +1169,7 @@
           <p:cNvPr id="6" name="灯片编号占位符 5">
             <a:extLst>
               <a:ext uri="{FF2B5EF4-FFF2-40B4-BE49-F238E27FC236}">
-                <a16:creationId xmlns:a16="http://schemas.microsoft.com/office/drawing/2014/main" id="{34A96CBE-6107-1085-DC43-F0863A2A4F81}"/>
+                <a16:creationId xmlns:a16="http://schemas.microsoft.com/office/drawing/2014/main" id="{875AF461-F842-BB73-19FD-FD2857DEB8EC}"/>
               </a:ext>
             </a:extLst>
           </p:cNvPr>
@@ -1185,7 +1185,7 @@
           <a:bodyPr/>
           <a:lstStyle/>
           <a:p>
-            <a:fld id="{AC7B4504-2D66-47E5-A2AB-EFC91FF23D43}" type="slidenum">
+            <a:fld id="{7980CC6B-8BB1-49E3-A875-7419BD13F2C2}" type="slidenum">
               <a:rPr lang="zh-CN" altLang="en-US" smtClean="0"/>
               <a:t>‹#›</a:t>
             </a:fld>
@@ -1196,7 +1196,7 @@
     </p:spTree>
     <p:extLst>
       <p:ext uri="{BB962C8B-B14F-4D97-AF65-F5344CB8AC3E}">
-        <p14:creationId xmlns:p14="http://schemas.microsoft.com/office/powerpoint/2010/main" val="396972430"/>
+        <p14:creationId xmlns:p14="http://schemas.microsoft.com/office/powerpoint/2010/main" val="1788809596"/>
       </p:ext>
     </p:extLst>
   </p:cSld>
@@ -1228,7 +1228,7 @@
           <p:cNvPr id="2" name="标题 1">
             <a:extLst>
               <a:ext uri="{FF2B5EF4-FFF2-40B4-BE49-F238E27FC236}">
-                <a16:creationId xmlns:a16="http://schemas.microsoft.com/office/drawing/2014/main" id="{20201E87-0416-21F5-4118-B8EA5738E4E5}"/>
+                <a16:creationId xmlns:a16="http://schemas.microsoft.com/office/drawing/2014/main" id="{7817ACD0-E7AC-4070-C882-D16CE355DD9E}"/>
               </a:ext>
             </a:extLst>
           </p:cNvPr>
@@ -1256,7 +1256,7 @@
           <p:cNvPr id="3" name="内容占位符 2">
             <a:extLst>
               <a:ext uri="{FF2B5EF4-FFF2-40B4-BE49-F238E27FC236}">
-                <a16:creationId xmlns:a16="http://schemas.microsoft.com/office/drawing/2014/main" id="{3B3CC236-DD24-38A3-C962-9ED18067A342}"/>
+                <a16:creationId xmlns:a16="http://schemas.microsoft.com/office/drawing/2014/main" id="{7D41E408-CE7A-1E69-4866-B2C566504D8D}"/>
               </a:ext>
             </a:extLst>
           </p:cNvPr>
@@ -1318,7 +1318,7 @@
           <p:cNvPr id="4" name="内容占位符 3">
             <a:extLst>
               <a:ext uri="{FF2B5EF4-FFF2-40B4-BE49-F238E27FC236}">
-                <a16:creationId xmlns:a16="http://schemas.microsoft.com/office/drawing/2014/main" id="{17AC9CE8-BA4A-8A7E-20D4-6DF1137BDDF0}"/>
+                <a16:creationId xmlns:a16="http://schemas.microsoft.com/office/drawing/2014/main" id="{891C50C2-00EC-C5F5-F045-D240B3FC80B1}"/>
               </a:ext>
             </a:extLst>
           </p:cNvPr>
@@ -1380,7 +1380,7 @@
           <p:cNvPr id="5" name="日期占位符 4">
             <a:extLst>
               <a:ext uri="{FF2B5EF4-FFF2-40B4-BE49-F238E27FC236}">
-                <a16:creationId xmlns:a16="http://schemas.microsoft.com/office/drawing/2014/main" id="{28A06F48-E9BB-C66B-E0E2-D1B5E67D55CB}"/>
+                <a16:creationId xmlns:a16="http://schemas.microsoft.com/office/drawing/2014/main" id="{62E73DFD-28C1-43AE-D9D4-3C81B344A4D2}"/>
               </a:ext>
             </a:extLst>
           </p:cNvPr>
@@ -1396,7 +1396,7 @@
           <a:bodyPr/>
           <a:lstStyle/>
           <a:p>
-            <a:fld id="{9B928669-5539-413D-9495-133363849EFE}" type="datetimeFigureOut">
+            <a:fld id="{3C0697A8-C823-4C8E-8A85-49B65F2A58C7}" type="datetimeFigureOut">
               <a:rPr lang="zh-CN" altLang="en-US" smtClean="0"/>
               <a:t>2024/3/10</a:t>
             </a:fld>
@@ -1409,7 +1409,7 @@
           <p:cNvPr id="6" name="页脚占位符 5">
             <a:extLst>
               <a:ext uri="{FF2B5EF4-FFF2-40B4-BE49-F238E27FC236}">
-                <a16:creationId xmlns:a16="http://schemas.microsoft.com/office/drawing/2014/main" id="{4BEB0622-7CF1-3747-1E53-EBC77EC2E0F1}"/>
+                <a16:creationId xmlns:a16="http://schemas.microsoft.com/office/drawing/2014/main" id="{E1A768D6-D027-F8C7-06BD-D9EC9ED6A071}"/>
               </a:ext>
             </a:extLst>
           </p:cNvPr>
@@ -1434,7 +1434,7 @@
           <p:cNvPr id="7" name="灯片编号占位符 6">
             <a:extLst>
               <a:ext uri="{FF2B5EF4-FFF2-40B4-BE49-F238E27FC236}">
-                <a16:creationId xmlns:a16="http://schemas.microsoft.com/office/drawing/2014/main" id="{406971DF-CE39-8F2C-5E17-73B5E29CC883}"/>
+                <a16:creationId xmlns:a16="http://schemas.microsoft.com/office/drawing/2014/main" id="{D3CFB9F6-0C46-B015-919C-D8F9F610AF88}"/>
               </a:ext>
             </a:extLst>
           </p:cNvPr>
@@ -1450,7 +1450,7 @@
           <a:bodyPr/>
           <a:lstStyle/>
           <a:p>
-            <a:fld id="{AC7B4504-2D66-47E5-A2AB-EFC91FF23D43}" type="slidenum">
+            <a:fld id="{7980CC6B-8BB1-49E3-A875-7419BD13F2C2}" type="slidenum">
               <a:rPr lang="zh-CN" altLang="en-US" smtClean="0"/>
               <a:t>‹#›</a:t>
             </a:fld>
@@ -1461,7 +1461,7 @@
     </p:spTree>
     <p:extLst>
       <p:ext uri="{BB962C8B-B14F-4D97-AF65-F5344CB8AC3E}">
-        <p14:creationId xmlns:p14="http://schemas.microsoft.com/office/powerpoint/2010/main" val="1202954006"/>
+        <p14:creationId xmlns:p14="http://schemas.microsoft.com/office/powerpoint/2010/main" val="379827613"/>
       </p:ext>
     </p:extLst>
   </p:cSld>
@@ -1493,7 +1493,7 @@
           <p:cNvPr id="2" name="标题 1">
             <a:extLst>
               <a:ext uri="{FF2B5EF4-FFF2-40B4-BE49-F238E27FC236}">
-                <a16:creationId xmlns:a16="http://schemas.microsoft.com/office/drawing/2014/main" id="{72FAFE46-B807-C375-AA5F-4E9B169ADF03}"/>
+                <a16:creationId xmlns:a16="http://schemas.microsoft.com/office/drawing/2014/main" id="{0D582E0E-320F-7466-2E8E-43F903C94F71}"/>
               </a:ext>
             </a:extLst>
           </p:cNvPr>
@@ -1526,7 +1526,7 @@
           <p:cNvPr id="3" name="文本占位符 2">
             <a:extLst>
               <a:ext uri="{FF2B5EF4-FFF2-40B4-BE49-F238E27FC236}">
-                <a16:creationId xmlns:a16="http://schemas.microsoft.com/office/drawing/2014/main" id="{4711EECB-7457-7081-F704-F18D596084D2}"/>
+                <a16:creationId xmlns:a16="http://schemas.microsoft.com/office/drawing/2014/main" id="{6C4E6130-FA89-FFB5-B504-2B0FAA1A628A}"/>
               </a:ext>
             </a:extLst>
           </p:cNvPr>
@@ -1597,7 +1597,7 @@
           <p:cNvPr id="4" name="内容占位符 3">
             <a:extLst>
               <a:ext uri="{FF2B5EF4-FFF2-40B4-BE49-F238E27FC236}">
-                <a16:creationId xmlns:a16="http://schemas.microsoft.com/office/drawing/2014/main" id="{58F66953-EECA-0AB8-3443-A4B915B01DDE}"/>
+                <a16:creationId xmlns:a16="http://schemas.microsoft.com/office/drawing/2014/main" id="{1808AA1A-C20E-B0D2-592C-9710EF20AB9A}"/>
               </a:ext>
             </a:extLst>
           </p:cNvPr>
@@ -1659,7 +1659,7 @@
           <p:cNvPr id="5" name="文本占位符 4">
             <a:extLst>
               <a:ext uri="{FF2B5EF4-FFF2-40B4-BE49-F238E27FC236}">
-                <a16:creationId xmlns:a16="http://schemas.microsoft.com/office/drawing/2014/main" id="{1053BBBB-F5BC-CEFB-4F6F-7335089FD2F7}"/>
+                <a16:creationId xmlns:a16="http://schemas.microsoft.com/office/drawing/2014/main" id="{6F1F63D6-DF8A-1E14-21F4-BFF47F1C143C}"/>
               </a:ext>
             </a:extLst>
           </p:cNvPr>
@@ -1730,7 +1730,7 @@
           <p:cNvPr id="6" name="内容占位符 5">
             <a:extLst>
               <a:ext uri="{FF2B5EF4-FFF2-40B4-BE49-F238E27FC236}">
-                <a16:creationId xmlns:a16="http://schemas.microsoft.com/office/drawing/2014/main" id="{DC1F6687-6AE0-628E-2E3A-CFC30827E8D2}"/>
+                <a16:creationId xmlns:a16="http://schemas.microsoft.com/office/drawing/2014/main" id="{2EA74AA5-A87B-CD95-D2AF-4812432D8A03}"/>
               </a:ext>
             </a:extLst>
           </p:cNvPr>
@@ -1792,7 +1792,7 @@
           <p:cNvPr id="7" name="日期占位符 6">
             <a:extLst>
               <a:ext uri="{FF2B5EF4-FFF2-40B4-BE49-F238E27FC236}">
-                <a16:creationId xmlns:a16="http://schemas.microsoft.com/office/drawing/2014/main" id="{A2CA0E42-3C61-568B-9380-350DD8DC1454}"/>
+                <a16:creationId xmlns:a16="http://schemas.microsoft.com/office/drawing/2014/main" id="{858E67CF-2AFF-8BE9-29AC-1313EA618FFB}"/>
               </a:ext>
             </a:extLst>
           </p:cNvPr>
@@ -1808,7 +1808,7 @@
           <a:bodyPr/>
           <a:lstStyle/>
           <a:p>
-            <a:fld id="{9B928669-5539-413D-9495-133363849EFE}" type="datetimeFigureOut">
+            <a:fld id="{3C0697A8-C823-4C8E-8A85-49B65F2A58C7}" type="datetimeFigureOut">
               <a:rPr lang="zh-CN" altLang="en-US" smtClean="0"/>
               <a:t>2024/3/10</a:t>
             </a:fld>
@@ -1821,7 +1821,7 @@
           <p:cNvPr id="8" name="页脚占位符 7">
             <a:extLst>
               <a:ext uri="{FF2B5EF4-FFF2-40B4-BE49-F238E27FC236}">
-                <a16:creationId xmlns:a16="http://schemas.microsoft.com/office/drawing/2014/main" id="{4B8B9BD0-8E35-B7BD-04F0-D31DA74BD07B}"/>
+                <a16:creationId xmlns:a16="http://schemas.microsoft.com/office/drawing/2014/main" id="{A00832E5-3AEE-E900-B79F-66CB141790E7}"/>
               </a:ext>
             </a:extLst>
           </p:cNvPr>
@@ -1846,7 +1846,7 @@
           <p:cNvPr id="9" name="灯片编号占位符 8">
             <a:extLst>
               <a:ext uri="{FF2B5EF4-FFF2-40B4-BE49-F238E27FC236}">
-                <a16:creationId xmlns:a16="http://schemas.microsoft.com/office/drawing/2014/main" id="{AF691C5F-5A93-C636-0657-CDD00F655CEA}"/>
+                <a16:creationId xmlns:a16="http://schemas.microsoft.com/office/drawing/2014/main" id="{73135633-9F10-364C-E510-51AB8C220C05}"/>
               </a:ext>
             </a:extLst>
           </p:cNvPr>
@@ -1862,7 +1862,7 @@
           <a:bodyPr/>
           <a:lstStyle/>
           <a:p>
-            <a:fld id="{AC7B4504-2D66-47E5-A2AB-EFC91FF23D43}" type="slidenum">
+            <a:fld id="{7980CC6B-8BB1-49E3-A875-7419BD13F2C2}" type="slidenum">
               <a:rPr lang="zh-CN" altLang="en-US" smtClean="0"/>
               <a:t>‹#›</a:t>
             </a:fld>
@@ -1873,7 +1873,7 @@
     </p:spTree>
     <p:extLst>
       <p:ext uri="{BB962C8B-B14F-4D97-AF65-F5344CB8AC3E}">
-        <p14:creationId xmlns:p14="http://schemas.microsoft.com/office/powerpoint/2010/main" val="2056292209"/>
+        <p14:creationId xmlns:p14="http://schemas.microsoft.com/office/powerpoint/2010/main" val="1133325683"/>
       </p:ext>
     </p:extLst>
   </p:cSld>
@@ -1905,7 +1905,7 @@
           <p:cNvPr id="2" name="标题 1">
             <a:extLst>
               <a:ext uri="{FF2B5EF4-FFF2-40B4-BE49-F238E27FC236}">
-                <a16:creationId xmlns:a16="http://schemas.microsoft.com/office/drawing/2014/main" id="{3BEF9DB7-8468-F344-5D5D-86F1045F0A21}"/>
+                <a16:creationId xmlns:a16="http://schemas.microsoft.com/office/drawing/2014/main" id="{892E1BC0-8FC6-12A1-F887-92ED25A924C4}"/>
               </a:ext>
             </a:extLst>
           </p:cNvPr>
@@ -1933,7 +1933,7 @@
           <p:cNvPr id="3" name="日期占位符 2">
             <a:extLst>
               <a:ext uri="{FF2B5EF4-FFF2-40B4-BE49-F238E27FC236}">
-                <a16:creationId xmlns:a16="http://schemas.microsoft.com/office/drawing/2014/main" id="{31DBB370-B367-408F-5D69-A9AF002C8DE1}"/>
+                <a16:creationId xmlns:a16="http://schemas.microsoft.com/office/drawing/2014/main" id="{A1EC7086-BA08-BAF5-20EB-DB4486C38076}"/>
               </a:ext>
             </a:extLst>
           </p:cNvPr>
@@ -1949,7 +1949,7 @@
           <a:bodyPr/>
           <a:lstStyle/>
           <a:p>
-            <a:fld id="{9B928669-5539-413D-9495-133363849EFE}" type="datetimeFigureOut">
+            <a:fld id="{3C0697A8-C823-4C8E-8A85-49B65F2A58C7}" type="datetimeFigureOut">
               <a:rPr lang="zh-CN" altLang="en-US" smtClean="0"/>
               <a:t>2024/3/10</a:t>
             </a:fld>
@@ -1962,7 +1962,7 @@
           <p:cNvPr id="4" name="页脚占位符 3">
             <a:extLst>
               <a:ext uri="{FF2B5EF4-FFF2-40B4-BE49-F238E27FC236}">
-                <a16:creationId xmlns:a16="http://schemas.microsoft.com/office/drawing/2014/main" id="{32F7A983-9346-66DC-9FCB-DB38BEDDA111}"/>
+                <a16:creationId xmlns:a16="http://schemas.microsoft.com/office/drawing/2014/main" id="{8EF5CC36-76D2-E05B-4E43-C453F487893A}"/>
               </a:ext>
             </a:extLst>
           </p:cNvPr>
@@ -1987,7 +1987,7 @@
           <p:cNvPr id="5" name="灯片编号占位符 4">
             <a:extLst>
               <a:ext uri="{FF2B5EF4-FFF2-40B4-BE49-F238E27FC236}">
-                <a16:creationId xmlns:a16="http://schemas.microsoft.com/office/drawing/2014/main" id="{37664404-B405-15F4-F8E9-0588D8F2455E}"/>
+                <a16:creationId xmlns:a16="http://schemas.microsoft.com/office/drawing/2014/main" id="{2EA8F0F0-E560-C8B7-FDA0-C251F21A37B4}"/>
               </a:ext>
             </a:extLst>
           </p:cNvPr>
@@ -2003,7 +2003,7 @@
           <a:bodyPr/>
           <a:lstStyle/>
           <a:p>
-            <a:fld id="{AC7B4504-2D66-47E5-A2AB-EFC91FF23D43}" type="slidenum">
+            <a:fld id="{7980CC6B-8BB1-49E3-A875-7419BD13F2C2}" type="slidenum">
               <a:rPr lang="zh-CN" altLang="en-US" smtClean="0"/>
               <a:t>‹#›</a:t>
             </a:fld>
@@ -2014,7 +2014,7 @@
     </p:spTree>
     <p:extLst>
       <p:ext uri="{BB962C8B-B14F-4D97-AF65-F5344CB8AC3E}">
-        <p14:creationId xmlns:p14="http://schemas.microsoft.com/office/powerpoint/2010/main" val="101896232"/>
+        <p14:creationId xmlns:p14="http://schemas.microsoft.com/office/powerpoint/2010/main" val="3991585281"/>
       </p:ext>
     </p:extLst>
   </p:cSld>
@@ -2046,7 +2046,7 @@
           <p:cNvPr id="2" name="日期占位符 1">
             <a:extLst>
               <a:ext uri="{FF2B5EF4-FFF2-40B4-BE49-F238E27FC236}">
-                <a16:creationId xmlns:a16="http://schemas.microsoft.com/office/drawing/2014/main" id="{F7BBD43F-3F1E-945B-DCE3-288CFF25762C}"/>
+                <a16:creationId xmlns:a16="http://schemas.microsoft.com/office/drawing/2014/main" id="{2EF08D88-3D7E-B719-0517-89A920361A92}"/>
               </a:ext>
             </a:extLst>
           </p:cNvPr>
@@ -2062,7 +2062,7 @@
           <a:bodyPr/>
           <a:lstStyle/>
           <a:p>
-            <a:fld id="{9B928669-5539-413D-9495-133363849EFE}" type="datetimeFigureOut">
+            <a:fld id="{3C0697A8-C823-4C8E-8A85-49B65F2A58C7}" type="datetimeFigureOut">
               <a:rPr lang="zh-CN" altLang="en-US" smtClean="0"/>
               <a:t>2024/3/10</a:t>
             </a:fld>
@@ -2075,7 +2075,7 @@
           <p:cNvPr id="3" name="页脚占位符 2">
             <a:extLst>
               <a:ext uri="{FF2B5EF4-FFF2-40B4-BE49-F238E27FC236}">
-                <a16:creationId xmlns:a16="http://schemas.microsoft.com/office/drawing/2014/main" id="{F9E9E915-9E31-A53B-10E5-B94D48C9BBDD}"/>
+                <a16:creationId xmlns:a16="http://schemas.microsoft.com/office/drawing/2014/main" id="{36044F0A-4C1F-6990-2D60-BC39B41047DD}"/>
               </a:ext>
             </a:extLst>
           </p:cNvPr>
@@ -2100,7 +2100,7 @@
           <p:cNvPr id="4" name="灯片编号占位符 3">
             <a:extLst>
               <a:ext uri="{FF2B5EF4-FFF2-40B4-BE49-F238E27FC236}">
-                <a16:creationId xmlns:a16="http://schemas.microsoft.com/office/drawing/2014/main" id="{3A5E0F71-DCBB-FAEA-8D95-40E8FA74DF76}"/>
+                <a16:creationId xmlns:a16="http://schemas.microsoft.com/office/drawing/2014/main" id="{76047D7E-C48F-B518-4D4C-F999E94B6282}"/>
               </a:ext>
             </a:extLst>
           </p:cNvPr>
@@ -2116,7 +2116,7 @@
           <a:bodyPr/>
           <a:lstStyle/>
           <a:p>
-            <a:fld id="{AC7B4504-2D66-47E5-A2AB-EFC91FF23D43}" type="slidenum">
+            <a:fld id="{7980CC6B-8BB1-49E3-A875-7419BD13F2C2}" type="slidenum">
               <a:rPr lang="zh-CN" altLang="en-US" smtClean="0"/>
               <a:t>‹#›</a:t>
             </a:fld>
@@ -2127,7 +2127,7 @@
     </p:spTree>
     <p:extLst>
       <p:ext uri="{BB962C8B-B14F-4D97-AF65-F5344CB8AC3E}">
-        <p14:creationId xmlns:p14="http://schemas.microsoft.com/office/powerpoint/2010/main" val="3276668245"/>
+        <p14:creationId xmlns:p14="http://schemas.microsoft.com/office/powerpoint/2010/main" val="2548680327"/>
       </p:ext>
     </p:extLst>
   </p:cSld>
@@ -2159,7 +2159,7 @@
           <p:cNvPr id="2" name="标题 1">
             <a:extLst>
               <a:ext uri="{FF2B5EF4-FFF2-40B4-BE49-F238E27FC236}">
-                <a16:creationId xmlns:a16="http://schemas.microsoft.com/office/drawing/2014/main" id="{0F7A6DE3-CA5A-E283-6AA3-751DAF4D09CE}"/>
+                <a16:creationId xmlns:a16="http://schemas.microsoft.com/office/drawing/2014/main" id="{CBC954DE-D823-0D17-B72B-677A366F43FF}"/>
               </a:ext>
             </a:extLst>
           </p:cNvPr>
@@ -2196,7 +2196,7 @@
           <p:cNvPr id="3" name="内容占位符 2">
             <a:extLst>
               <a:ext uri="{FF2B5EF4-FFF2-40B4-BE49-F238E27FC236}">
-                <a16:creationId xmlns:a16="http://schemas.microsoft.com/office/drawing/2014/main" id="{16B45455-94D5-3D60-EFB7-106A8EF76A01}"/>
+                <a16:creationId xmlns:a16="http://schemas.microsoft.com/office/drawing/2014/main" id="{9FF1237D-B427-93A4-A6F4-9558A3E5FE2B}"/>
               </a:ext>
             </a:extLst>
           </p:cNvPr>
@@ -2286,7 +2286,7 @@
           <p:cNvPr id="4" name="文本占位符 3">
             <a:extLst>
               <a:ext uri="{FF2B5EF4-FFF2-40B4-BE49-F238E27FC236}">
-                <a16:creationId xmlns:a16="http://schemas.microsoft.com/office/drawing/2014/main" id="{FE84DA5E-336A-9130-5ABB-C722031D7B83}"/>
+                <a16:creationId xmlns:a16="http://schemas.microsoft.com/office/drawing/2014/main" id="{8A28A9FA-90B1-F663-2B62-67E13C9D9DEB}"/>
               </a:ext>
             </a:extLst>
           </p:cNvPr>
@@ -2357,7 +2357,7 @@
           <p:cNvPr id="5" name="日期占位符 4">
             <a:extLst>
               <a:ext uri="{FF2B5EF4-FFF2-40B4-BE49-F238E27FC236}">
-                <a16:creationId xmlns:a16="http://schemas.microsoft.com/office/drawing/2014/main" id="{D767D805-01C3-9083-2375-013104F3CD0E}"/>
+                <a16:creationId xmlns:a16="http://schemas.microsoft.com/office/drawing/2014/main" id="{7F002C57-58E9-E8AB-492A-CDFCA8526558}"/>
               </a:ext>
             </a:extLst>
           </p:cNvPr>
@@ -2373,7 +2373,7 @@
           <a:bodyPr/>
           <a:lstStyle/>
           <a:p>
-            <a:fld id="{9B928669-5539-413D-9495-133363849EFE}" type="datetimeFigureOut">
+            <a:fld id="{3C0697A8-C823-4C8E-8A85-49B65F2A58C7}" type="datetimeFigureOut">
               <a:rPr lang="zh-CN" altLang="en-US" smtClean="0"/>
               <a:t>2024/3/10</a:t>
             </a:fld>
@@ -2386,7 +2386,7 @@
           <p:cNvPr id="6" name="页脚占位符 5">
             <a:extLst>
               <a:ext uri="{FF2B5EF4-FFF2-40B4-BE49-F238E27FC236}">
-                <a16:creationId xmlns:a16="http://schemas.microsoft.com/office/drawing/2014/main" id="{550A4561-8018-522D-C4BB-76FAC10BFE56}"/>
+                <a16:creationId xmlns:a16="http://schemas.microsoft.com/office/drawing/2014/main" id="{B3C0637B-994A-06ED-DCFA-E96088B7A180}"/>
               </a:ext>
             </a:extLst>
           </p:cNvPr>
@@ -2411,7 +2411,7 @@
           <p:cNvPr id="7" name="灯片编号占位符 6">
             <a:extLst>
               <a:ext uri="{FF2B5EF4-FFF2-40B4-BE49-F238E27FC236}">
-                <a16:creationId xmlns:a16="http://schemas.microsoft.com/office/drawing/2014/main" id="{F1A7917C-9DCC-C2DE-6D65-BF423EC3D805}"/>
+                <a16:creationId xmlns:a16="http://schemas.microsoft.com/office/drawing/2014/main" id="{5A7607AD-4FAA-3490-375A-C9CCE98F8D73}"/>
               </a:ext>
             </a:extLst>
           </p:cNvPr>
@@ -2427,7 +2427,7 @@
           <a:bodyPr/>
           <a:lstStyle/>
           <a:p>
-            <a:fld id="{AC7B4504-2D66-47E5-A2AB-EFC91FF23D43}" type="slidenum">
+            <a:fld id="{7980CC6B-8BB1-49E3-A875-7419BD13F2C2}" type="slidenum">
               <a:rPr lang="zh-CN" altLang="en-US" smtClean="0"/>
               <a:t>‹#›</a:t>
             </a:fld>
@@ -2438,7 +2438,7 @@
     </p:spTree>
     <p:extLst>
       <p:ext uri="{BB962C8B-B14F-4D97-AF65-F5344CB8AC3E}">
-        <p14:creationId xmlns:p14="http://schemas.microsoft.com/office/powerpoint/2010/main" val="790022941"/>
+        <p14:creationId xmlns:p14="http://schemas.microsoft.com/office/powerpoint/2010/main" val="2614736365"/>
       </p:ext>
     </p:extLst>
   </p:cSld>
@@ -2470,7 +2470,7 @@
           <p:cNvPr id="2" name="标题 1">
             <a:extLst>
               <a:ext uri="{FF2B5EF4-FFF2-40B4-BE49-F238E27FC236}">
-                <a16:creationId xmlns:a16="http://schemas.microsoft.com/office/drawing/2014/main" id="{0FB48DE4-CC37-C233-47C2-63FA920BB7EC}"/>
+                <a16:creationId xmlns:a16="http://schemas.microsoft.com/office/drawing/2014/main" id="{2F45B1C7-5ECA-A2EC-62B1-07C245C90891}"/>
               </a:ext>
             </a:extLst>
           </p:cNvPr>
@@ -2507,7 +2507,7 @@
           <p:cNvPr id="3" name="图片占位符 2">
             <a:extLst>
               <a:ext uri="{FF2B5EF4-FFF2-40B4-BE49-F238E27FC236}">
-                <a16:creationId xmlns:a16="http://schemas.microsoft.com/office/drawing/2014/main" id="{C79B381A-0C1D-7735-E879-95587DADF5A8}"/>
+                <a16:creationId xmlns:a16="http://schemas.microsoft.com/office/drawing/2014/main" id="{1780D760-B4F1-2100-87E3-47019E24A7DA}"/>
               </a:ext>
             </a:extLst>
           </p:cNvPr>
@@ -2574,7 +2574,7 @@
           <p:cNvPr id="4" name="文本占位符 3">
             <a:extLst>
               <a:ext uri="{FF2B5EF4-FFF2-40B4-BE49-F238E27FC236}">
-                <a16:creationId xmlns:a16="http://schemas.microsoft.com/office/drawing/2014/main" id="{D90C7B31-1DC5-5D93-4B44-000A7859E380}"/>
+                <a16:creationId xmlns:a16="http://schemas.microsoft.com/office/drawing/2014/main" id="{37AB2D72-0993-2C99-85D1-0A1C828804CB}"/>
               </a:ext>
             </a:extLst>
           </p:cNvPr>
@@ -2645,7 +2645,7 @@
           <p:cNvPr id="5" name="日期占位符 4">
             <a:extLst>
               <a:ext uri="{FF2B5EF4-FFF2-40B4-BE49-F238E27FC236}">
-                <a16:creationId xmlns:a16="http://schemas.microsoft.com/office/drawing/2014/main" id="{BF39A9BD-4529-010C-23F8-4988EFC1C18D}"/>
+                <a16:creationId xmlns:a16="http://schemas.microsoft.com/office/drawing/2014/main" id="{D1DD18DE-1053-98E3-7DE7-90731372AA8F}"/>
               </a:ext>
             </a:extLst>
           </p:cNvPr>
@@ -2661,7 +2661,7 @@
           <a:bodyPr/>
           <a:lstStyle/>
           <a:p>
-            <a:fld id="{9B928669-5539-413D-9495-133363849EFE}" type="datetimeFigureOut">
+            <a:fld id="{3C0697A8-C823-4C8E-8A85-49B65F2A58C7}" type="datetimeFigureOut">
               <a:rPr lang="zh-CN" altLang="en-US" smtClean="0"/>
               <a:t>2024/3/10</a:t>
             </a:fld>
@@ -2674,7 +2674,7 @@
           <p:cNvPr id="6" name="页脚占位符 5">
             <a:extLst>
               <a:ext uri="{FF2B5EF4-FFF2-40B4-BE49-F238E27FC236}">
-                <a16:creationId xmlns:a16="http://schemas.microsoft.com/office/drawing/2014/main" id="{6CE78F4A-43CA-2CB0-DF9C-6DDCFFA2F8AA}"/>
+                <a16:creationId xmlns:a16="http://schemas.microsoft.com/office/drawing/2014/main" id="{C0138326-ABB2-CEF5-7D04-A3155F884E22}"/>
               </a:ext>
             </a:extLst>
           </p:cNvPr>
@@ -2699,7 +2699,7 @@
           <p:cNvPr id="7" name="灯片编号占位符 6">
             <a:extLst>
               <a:ext uri="{FF2B5EF4-FFF2-40B4-BE49-F238E27FC236}">
-                <a16:creationId xmlns:a16="http://schemas.microsoft.com/office/drawing/2014/main" id="{252EDDB6-939B-7507-6F1A-13FA8AE0A0AA}"/>
+                <a16:creationId xmlns:a16="http://schemas.microsoft.com/office/drawing/2014/main" id="{E3416959-7B02-6B64-8375-9764584455FF}"/>
               </a:ext>
             </a:extLst>
           </p:cNvPr>
@@ -2715,7 +2715,7 @@
           <a:bodyPr/>
           <a:lstStyle/>
           <a:p>
-            <a:fld id="{AC7B4504-2D66-47E5-A2AB-EFC91FF23D43}" type="slidenum">
+            <a:fld id="{7980CC6B-8BB1-49E3-A875-7419BD13F2C2}" type="slidenum">
               <a:rPr lang="zh-CN" altLang="en-US" smtClean="0"/>
               <a:t>‹#›</a:t>
             </a:fld>
@@ -2726,7 +2726,7 @@
     </p:spTree>
     <p:extLst>
       <p:ext uri="{BB962C8B-B14F-4D97-AF65-F5344CB8AC3E}">
-        <p14:creationId xmlns:p14="http://schemas.microsoft.com/office/powerpoint/2010/main" val="457716437"/>
+        <p14:creationId xmlns:p14="http://schemas.microsoft.com/office/powerpoint/2010/main" val="3203708095"/>
       </p:ext>
     </p:extLst>
   </p:cSld>
@@ -2763,7 +2763,7 @@
           <p:cNvPr id="2" name="标题占位符 1">
             <a:extLst>
               <a:ext uri="{FF2B5EF4-FFF2-40B4-BE49-F238E27FC236}">
-                <a16:creationId xmlns:a16="http://schemas.microsoft.com/office/drawing/2014/main" id="{41E9E0A1-7278-2759-6DF1-05AE6C085DEB}"/>
+                <a16:creationId xmlns:a16="http://schemas.microsoft.com/office/drawing/2014/main" id="{7F194F8C-772F-D78A-87EC-83704AFBFEA1}"/>
               </a:ext>
             </a:extLst>
           </p:cNvPr>
@@ -2801,7 +2801,7 @@
           <p:cNvPr id="3" name="文本占位符 2">
             <a:extLst>
               <a:ext uri="{FF2B5EF4-FFF2-40B4-BE49-F238E27FC236}">
-                <a16:creationId xmlns:a16="http://schemas.microsoft.com/office/drawing/2014/main" id="{22968678-5F1B-DF80-546C-71D50F6EABC4}"/>
+                <a16:creationId xmlns:a16="http://schemas.microsoft.com/office/drawing/2014/main" id="{832AD1F0-5C62-DE2F-6791-B5CEBC6B82DB}"/>
               </a:ext>
             </a:extLst>
           </p:cNvPr>
@@ -2868,7 +2868,7 @@
           <p:cNvPr id="4" name="日期占位符 3">
             <a:extLst>
               <a:ext uri="{FF2B5EF4-FFF2-40B4-BE49-F238E27FC236}">
-                <a16:creationId xmlns:a16="http://schemas.microsoft.com/office/drawing/2014/main" id="{3F661C11-F370-BE96-69BB-D9D591CC7B4B}"/>
+                <a16:creationId xmlns:a16="http://schemas.microsoft.com/office/drawing/2014/main" id="{0914BBB9-9C3F-7A45-D40E-C272ECC3C786}"/>
               </a:ext>
             </a:extLst>
           </p:cNvPr>
@@ -2902,7 +2902,7 @@
             </a:lvl1pPr>
           </a:lstStyle>
           <a:p>
-            <a:fld id="{9B928669-5539-413D-9495-133363849EFE}" type="datetimeFigureOut">
+            <a:fld id="{3C0697A8-C823-4C8E-8A85-49B65F2A58C7}" type="datetimeFigureOut">
               <a:rPr lang="zh-CN" altLang="en-US" smtClean="0"/>
               <a:t>2024/3/10</a:t>
             </a:fld>
@@ -2915,7 +2915,7 @@
           <p:cNvPr id="5" name="页脚占位符 4">
             <a:extLst>
               <a:ext uri="{FF2B5EF4-FFF2-40B4-BE49-F238E27FC236}">
-                <a16:creationId xmlns:a16="http://schemas.microsoft.com/office/drawing/2014/main" id="{BBE7C75E-6BDF-3686-C002-FDA86777766E}"/>
+                <a16:creationId xmlns:a16="http://schemas.microsoft.com/office/drawing/2014/main" id="{3954C8A4-B8D4-39D1-2AD2-9ABDD7DB14A9}"/>
               </a:ext>
             </a:extLst>
           </p:cNvPr>
@@ -2958,7 +2958,7 @@
           <p:cNvPr id="6" name="灯片编号占位符 5">
             <a:extLst>
               <a:ext uri="{FF2B5EF4-FFF2-40B4-BE49-F238E27FC236}">
-                <a16:creationId xmlns:a16="http://schemas.microsoft.com/office/drawing/2014/main" id="{E73A6516-7F2B-B5DE-2690-F70CDE6B1C7B}"/>
+                <a16:creationId xmlns:a16="http://schemas.microsoft.com/office/drawing/2014/main" id="{51BA0D19-433C-DA6E-2C37-425BD2B67F65}"/>
               </a:ext>
             </a:extLst>
           </p:cNvPr>
@@ -2992,7 +2992,7 @@
             </a:lvl1pPr>
           </a:lstStyle>
           <a:p>
-            <a:fld id="{AC7B4504-2D66-47E5-A2AB-EFC91FF23D43}" type="slidenum">
+            <a:fld id="{7980CC6B-8BB1-49E3-A875-7419BD13F2C2}" type="slidenum">
               <a:rPr lang="zh-CN" altLang="en-US" smtClean="0"/>
               <a:t>‹#›</a:t>
             </a:fld>
@@ -3003,7 +3003,7 @@
     </p:spTree>
     <p:extLst>
       <p:ext uri="{BB962C8B-B14F-4D97-AF65-F5344CB8AC3E}">
-        <p14:creationId xmlns:p14="http://schemas.microsoft.com/office/powerpoint/2010/main" val="2281507291"/>
+        <p14:creationId xmlns:p14="http://schemas.microsoft.com/office/powerpoint/2010/main" val="3133244382"/>
       </p:ext>
     </p:extLst>
   </p:cSld>
